--- a/Чалых НИР.pptx
+++ b/Чалых НИР.pptx
@@ -5,7 +5,7 @@
     <p:sldMasterId id="2147483648" r:id="rId1"/>
   </p:sldMasterIdLst>
   <p:notesMasterIdLst>
-    <p:notesMasterId r:id="rId10"/>
+    <p:notesMasterId r:id="rId11"/>
   </p:notesMasterIdLst>
   <p:sldIdLst>
     <p:sldId id="256" r:id="rId2"/>
@@ -15,7 +15,8 @@
     <p:sldId id="263" r:id="rId6"/>
     <p:sldId id="262" r:id="rId7"/>
     <p:sldId id="260" r:id="rId8"/>
-    <p:sldId id="264" r:id="rId9"/>
+    <p:sldId id="265" r:id="rId9"/>
+    <p:sldId id="264" r:id="rId10"/>
   </p:sldIdLst>
   <p:sldSz cx="12192000" cy="6858000"/>
   <p:notesSz cx="6858000" cy="9144000"/>
@@ -204,7 +205,7 @@
           <a:p>
             <a:fld id="{5A0E7B70-EE6D-4059-BBAF-6C2C68929486}" type="datetimeFigureOut">
               <a:rPr lang="ru-RU" smtClean="0"/>
-              <a:t>21.11.2022</a:t>
+              <a:t>22.11.2022</a:t>
             </a:fld>
             <a:endParaRPr lang="ru-RU"/>
           </a:p>
@@ -601,7 +602,7 @@
           <a:p>
             <a:fld id="{916FE60E-FD05-43FA-B88C-686DB61F4127}" type="datetime1">
               <a:rPr lang="ru-RU" smtClean="0"/>
-              <a:t>21.11.2022</a:t>
+              <a:t>22.11.2022</a:t>
             </a:fld>
             <a:endParaRPr lang="ru-RU"/>
           </a:p>
@@ -769,7 +770,7 @@
           <a:p>
             <a:fld id="{D89C8452-85FF-44AC-BE02-4F0F8524BCB2}" type="datetime1">
               <a:rPr lang="ru-RU" smtClean="0"/>
-              <a:t>21.11.2022</a:t>
+              <a:t>22.11.2022</a:t>
             </a:fld>
             <a:endParaRPr lang="ru-RU"/>
           </a:p>
@@ -947,7 +948,7 @@
           <a:p>
             <a:fld id="{91430CBB-3413-4B12-AB4F-6A53C4434ACE}" type="datetime1">
               <a:rPr lang="ru-RU" smtClean="0"/>
-              <a:t>21.11.2022</a:t>
+              <a:t>22.11.2022</a:t>
             </a:fld>
             <a:endParaRPr lang="ru-RU"/>
           </a:p>
@@ -1115,7 +1116,7 @@
           <a:p>
             <a:fld id="{27187172-0846-4F74-9D62-EECB4B2A0B59}" type="datetime1">
               <a:rPr lang="ru-RU" smtClean="0"/>
-              <a:t>21.11.2022</a:t>
+              <a:t>22.11.2022</a:t>
             </a:fld>
             <a:endParaRPr lang="ru-RU"/>
           </a:p>
@@ -1360,7 +1361,7 @@
           <a:p>
             <a:fld id="{95272D4F-0194-4A65-86B5-0E535D5C1018}" type="datetime1">
               <a:rPr lang="ru-RU" smtClean="0"/>
-              <a:t>21.11.2022</a:t>
+              <a:t>22.11.2022</a:t>
             </a:fld>
             <a:endParaRPr lang="ru-RU"/>
           </a:p>
@@ -1589,7 +1590,7 @@
           <a:p>
             <a:fld id="{74408953-C7E7-4CF1-AA06-5ED66738BE74}" type="datetime1">
               <a:rPr lang="ru-RU" smtClean="0"/>
-              <a:t>21.11.2022</a:t>
+              <a:t>22.11.2022</a:t>
             </a:fld>
             <a:endParaRPr lang="ru-RU"/>
           </a:p>
@@ -1953,7 +1954,7 @@
           <a:p>
             <a:fld id="{7262E9CF-5BEB-4F39-98A7-E2FFC47AD5CC}" type="datetime1">
               <a:rPr lang="ru-RU" smtClean="0"/>
-              <a:t>21.11.2022</a:t>
+              <a:t>22.11.2022</a:t>
             </a:fld>
             <a:endParaRPr lang="ru-RU"/>
           </a:p>
@@ -2070,7 +2071,7 @@
           <a:p>
             <a:fld id="{68DC3E17-84ED-4B2D-BEDF-245B7DDD30DE}" type="datetime1">
               <a:rPr lang="ru-RU" smtClean="0"/>
-              <a:t>21.11.2022</a:t>
+              <a:t>22.11.2022</a:t>
             </a:fld>
             <a:endParaRPr lang="ru-RU"/>
           </a:p>
@@ -2165,7 +2166,7 @@
           <a:p>
             <a:fld id="{2AF8432B-9E77-4D7B-84EB-6EEA3CB95F4A}" type="datetime1">
               <a:rPr lang="ru-RU" smtClean="0"/>
-              <a:t>21.11.2022</a:t>
+              <a:t>22.11.2022</a:t>
             </a:fld>
             <a:endParaRPr lang="ru-RU"/>
           </a:p>
@@ -2440,7 +2441,7 @@
           <a:p>
             <a:fld id="{BC8F1BB6-2621-4F26-B490-6DA9C1C8F9B7}" type="datetime1">
               <a:rPr lang="ru-RU" smtClean="0"/>
-              <a:t>21.11.2022</a:t>
+              <a:t>22.11.2022</a:t>
             </a:fld>
             <a:endParaRPr lang="ru-RU"/>
           </a:p>
@@ -2692,7 +2693,7 @@
           <a:p>
             <a:fld id="{D6FBD2EB-34AA-46E7-A93E-EA5066963698}" type="datetime1">
               <a:rPr lang="ru-RU" smtClean="0"/>
-              <a:t>21.11.2022</a:t>
+              <a:t>22.11.2022</a:t>
             </a:fld>
             <a:endParaRPr lang="ru-RU"/>
           </a:p>
@@ -2903,7 +2904,7 @@
           <a:p>
             <a:fld id="{32FC4273-8081-424A-A69C-ED42763C780F}" type="datetime1">
               <a:rPr lang="ru-RU" smtClean="0"/>
-              <a:t>21.11.2022</a:t>
+              <a:t>22.11.2022</a:t>
             </a:fld>
             <a:endParaRPr lang="ru-RU"/>
           </a:p>
@@ -4493,6 +4494,123 @@
             <a:fld id="{8CDCF5F6-628D-4FA9-A9B9-437C24F66B65}" type="slidenum">
               <a:rPr lang="ru-RU" smtClean="0"/>
               <a:t>8</a:t>
+            </a:fld>
+            <a:endParaRPr lang="ru-RU"/>
+          </a:p>
+        </p:txBody>
+      </p:sp>
+      <p:sp>
+        <p:nvSpPr>
+          <p:cNvPr id="4" name="TextBox 3"/>
+          <p:cNvSpPr txBox="1"/>
+          <p:nvPr/>
+        </p:nvSpPr>
+        <p:spPr>
+          <a:xfrm>
+            <a:off x="542925" y="201394"/>
+            <a:ext cx="6055056" cy="646331"/>
+          </a:xfrm>
+          <a:prstGeom prst="rect">
+            <a:avLst/>
+          </a:prstGeom>
+          <a:noFill/>
+        </p:spPr>
+        <p:txBody>
+          <a:bodyPr wrap="none" rtlCol="0">
+            <a:spAutoFit/>
+          </a:bodyPr>
+          <a:lstStyle/>
+          <a:p>
+            <a:r>
+              <a:rPr lang="ru-RU" sz="3600" dirty="0" smtClean="0"/>
+              <a:t>Модель предметной области</a:t>
+            </a:r>
+            <a:r>
+              <a:rPr lang="en-US" sz="3600" dirty="0" smtClean="0"/>
+              <a:t>:</a:t>
+            </a:r>
+            <a:endParaRPr lang="ru-RU" sz="3600" dirty="0"/>
+          </a:p>
+        </p:txBody>
+      </p:sp>
+      <p:pic>
+        <p:nvPicPr>
+          <p:cNvPr id="5" name="Рисунок 4"/>
+          <p:cNvPicPr>
+            <a:picLocks noChangeAspect="1"/>
+          </p:cNvPicPr>
+          <p:nvPr/>
+        </p:nvPicPr>
+        <p:blipFill>
+          <a:blip r:embed="rId2">
+            <a:extLst>
+              <a:ext uri="{28A0092B-C50C-407E-A947-70E740481C1C}">
+                <a14:useLocalDpi xmlns:a14="http://schemas.microsoft.com/office/drawing/2010/main" val="0"/>
+              </a:ext>
+            </a:extLst>
+          </a:blip>
+          <a:stretch>
+            <a:fillRect/>
+          </a:stretch>
+        </p:blipFill>
+        <p:spPr>
+          <a:xfrm>
+            <a:off x="2700338" y="847725"/>
+            <a:ext cx="6775188" cy="5848350"/>
+          </a:xfrm>
+          <a:prstGeom prst="rect">
+            <a:avLst/>
+          </a:prstGeom>
+        </p:spPr>
+      </p:pic>
+    </p:spTree>
+    <p:extLst>
+      <p:ext uri="{BB962C8B-B14F-4D97-AF65-F5344CB8AC3E}">
+        <p14:creationId xmlns:p14="http://schemas.microsoft.com/office/powerpoint/2010/main" val="197308534"/>
+      </p:ext>
+    </p:extLst>
+  </p:cSld>
+  <p:clrMapOvr>
+    <a:masterClrMapping/>
+  </p:clrMapOvr>
+</p:sld>
+</file>
+
+<file path=ppt/slides/slide9.xml><?xml version="1.0" encoding="utf-8"?>
+<p:sld xmlns:a="http://schemas.openxmlformats.org/drawingml/2006/main" xmlns:r="http://schemas.openxmlformats.org/officeDocument/2006/relationships" xmlns:p="http://schemas.openxmlformats.org/presentationml/2006/main">
+  <p:cSld>
+    <p:spTree>
+      <p:nvGrpSpPr>
+        <p:cNvPr id="1" name=""/>
+        <p:cNvGrpSpPr/>
+        <p:nvPr/>
+      </p:nvGrpSpPr>
+      <p:grpSpPr>
+        <a:xfrm>
+          <a:off x="0" y="0"/>
+          <a:ext cx="0" cy="0"/>
+          <a:chOff x="0" y="0"/>
+          <a:chExt cx="0" cy="0"/>
+        </a:xfrm>
+      </p:grpSpPr>
+      <p:sp>
+        <p:nvSpPr>
+          <p:cNvPr id="3" name="Номер слайда 2"/>
+          <p:cNvSpPr>
+            <a:spLocks noGrp="1"/>
+          </p:cNvSpPr>
+          <p:nvPr>
+            <p:ph type="sldNum" sz="quarter" idx="12"/>
+          </p:nvPr>
+        </p:nvSpPr>
+        <p:spPr/>
+        <p:txBody>
+          <a:bodyPr/>
+          <a:lstStyle/>
+          <a:p>
+            <a:fld id="{8CDCF5F6-628D-4FA9-A9B9-437C24F66B65}" type="slidenum">
+              <a:rPr lang="ru-RU" smtClean="0"/>
+              <a:t>9</a:t>
             </a:fld>
             <a:endParaRPr lang="ru-RU"/>
           </a:p>
